--- a/Diagram.pptx
+++ b/Diagram.pptx
@@ -16,6 +16,8 @@
     <p:sldId id="264" r:id="rId10"/>
     <p:sldId id="265" r:id="rId11"/>
     <p:sldId id="266" r:id="rId12"/>
+    <p:sldId id="267" r:id="rId13"/>
+    <p:sldId id="268" r:id="rId14"/>
   </p:sldIdLst>
   <p:sldSz cx="12192000" cy="6858000"/>
   <p:notesSz cx="6858000" cy="9144000"/>
@@ -114,6 +116,11 @@
       </a:defRPr>
     </a:lvl9pPr>
   </p:defaultTextStyle>
+  <p:extLst>
+    <p:ext uri="{EFAFB233-063F-42B5-8137-9DF3F51BA10A}">
+      <p15:sldGuideLst xmlns:p15="http://schemas.microsoft.com/office/powerpoint/2012/main"/>
+    </p:ext>
+  </p:extLst>
 </p:presentation>
 </file>
 
@@ -3821,6 +3828,368 @@
 </p:sld>
 </file>
 
+<file path=ppt/slides/slide12.xml><?xml version="1.0" encoding="utf-8"?>
+<p:sld xmlns:a="http://schemas.openxmlformats.org/drawingml/2006/main" xmlns:r="http://schemas.openxmlformats.org/officeDocument/2006/relationships" xmlns:p="http://schemas.openxmlformats.org/presentationml/2006/main">
+  <p:cSld>
+    <p:spTree>
+      <p:nvGrpSpPr>
+        <p:cNvPr id="1" name=""/>
+        <p:cNvGrpSpPr/>
+        <p:nvPr/>
+      </p:nvGrpSpPr>
+      <p:grpSpPr>
+        <a:xfrm>
+          <a:off x="0" y="0"/>
+          <a:ext cx="0" cy="0"/>
+          <a:chOff x="0" y="0"/>
+          <a:chExt cx="0" cy="0"/>
+        </a:xfrm>
+      </p:grpSpPr>
+      <p:sp>
+        <p:nvSpPr>
+          <p:cNvPr id="4" name="TextBox 3">
+            <a:extLst>
+              <a:ext uri="{FF2B5EF4-FFF2-40B4-BE49-F238E27FC236}">
+                <a16:creationId xmlns:a16="http://schemas.microsoft.com/office/drawing/2014/main" id="{947C18CF-6E6E-45D7-8CEB-4E10F643C918}"/>
+              </a:ext>
+            </a:extLst>
+          </p:cNvPr>
+          <p:cNvSpPr txBox="1"/>
+          <p:nvPr/>
+        </p:nvSpPr>
+        <p:spPr>
+          <a:xfrm>
+            <a:off x="0" y="0"/>
+            <a:ext cx="10093739" cy="369332"/>
+          </a:xfrm>
+          <a:prstGeom prst="rect">
+            <a:avLst/>
+          </a:prstGeom>
+          <a:noFill/>
+        </p:spPr>
+        <p:txBody>
+          <a:bodyPr wrap="square" rtlCol="0">
+            <a:spAutoFit/>
+          </a:bodyPr>
+          <a:lstStyle/>
+          <a:p>
+            <a:r>
+              <a:rPr lang="en-US" dirty="0"/>
+              <a:t>Current Diagram – Future upgrade</a:t>
+            </a:r>
+            <a:endParaRPr lang="en-GB" dirty="0"/>
+          </a:p>
+        </p:txBody>
+      </p:sp>
+      <p:pic>
+        <p:nvPicPr>
+          <p:cNvPr id="3" name="Picture 2">
+            <a:extLst>
+              <a:ext uri="{FF2B5EF4-FFF2-40B4-BE49-F238E27FC236}">
+                <a16:creationId xmlns:a16="http://schemas.microsoft.com/office/drawing/2014/main" id="{BFE3EFBE-4B05-4A32-AF8F-01B1D2CC3E10}"/>
+              </a:ext>
+            </a:extLst>
+          </p:cNvPr>
+          <p:cNvPicPr>
+            <a:picLocks noChangeAspect="1"/>
+          </p:cNvPicPr>
+          <p:nvPr/>
+        </p:nvPicPr>
+        <p:blipFill>
+          <a:blip r:embed="rId2"/>
+          <a:stretch>
+            <a:fillRect/>
+          </a:stretch>
+        </p:blipFill>
+        <p:spPr>
+          <a:xfrm>
+            <a:off x="560819" y="606949"/>
+            <a:ext cx="7772400" cy="5743575"/>
+          </a:xfrm>
+          <a:prstGeom prst="rect">
+            <a:avLst/>
+          </a:prstGeom>
+        </p:spPr>
+      </p:pic>
+      <p:sp>
+        <p:nvSpPr>
+          <p:cNvPr id="5" name="TextBox 4">
+            <a:extLst>
+              <a:ext uri="{FF2B5EF4-FFF2-40B4-BE49-F238E27FC236}">
+                <a16:creationId xmlns:a16="http://schemas.microsoft.com/office/drawing/2014/main" id="{7601EA0B-83CC-4C0F-B8E7-89CF07BB411E}"/>
+              </a:ext>
+            </a:extLst>
+          </p:cNvPr>
+          <p:cNvSpPr txBox="1"/>
+          <p:nvPr/>
+        </p:nvSpPr>
+        <p:spPr>
+          <a:xfrm>
+            <a:off x="8042563" y="2601573"/>
+            <a:ext cx="3341717" cy="1754326"/>
+          </a:xfrm>
+          <a:prstGeom prst="rect">
+            <a:avLst/>
+          </a:prstGeom>
+          <a:noFill/>
+        </p:spPr>
+        <p:txBody>
+          <a:bodyPr wrap="square" rtlCol="0">
+            <a:spAutoFit/>
+          </a:bodyPr>
+          <a:lstStyle/>
+          <a:p>
+            <a:pPr marL="285750" indent="-285750">
+              <a:buFontTx/>
+              <a:buChar char="-"/>
+            </a:pPr>
+            <a:r>
+              <a:rPr lang="en-US" dirty="0"/>
+              <a:t>Create DB to every box for </a:t>
+            </a:r>
+            <a:r>
+              <a:rPr lang="en-US" dirty="0" err="1"/>
+              <a:t>offine</a:t>
+            </a:r>
+            <a:r>
+              <a:rPr lang="en-US" dirty="0"/>
+              <a:t> case</a:t>
+            </a:r>
+          </a:p>
+          <a:p>
+            <a:pPr marL="285750" indent="-285750">
+              <a:buFontTx/>
+              <a:buChar char="-"/>
+            </a:pPr>
+            <a:r>
+              <a:rPr lang="en-US" dirty="0"/>
+              <a:t>Machine </a:t>
+            </a:r>
+            <a:r>
+              <a:rPr lang="en-US" dirty="0" err="1"/>
+              <a:t>Api</a:t>
+            </a:r>
+            <a:r>
+              <a:rPr lang="en-US" dirty="0"/>
+              <a:t> will only fetch data from admin side and sent the last amount of items</a:t>
+            </a:r>
+          </a:p>
+          <a:p>
+            <a:endParaRPr lang="en-GB" dirty="0"/>
+          </a:p>
+        </p:txBody>
+      </p:sp>
+    </p:spTree>
+    <p:extLst>
+      <p:ext uri="{BB962C8B-B14F-4D97-AF65-F5344CB8AC3E}">
+        <p14:creationId xmlns:p14="http://schemas.microsoft.com/office/powerpoint/2010/main" val="2536139701"/>
+      </p:ext>
+    </p:extLst>
+  </p:cSld>
+  <p:clrMapOvr>
+    <a:masterClrMapping/>
+  </p:clrMapOvr>
+</p:sld>
+</file>
+
+<file path=ppt/slides/slide13.xml><?xml version="1.0" encoding="utf-8"?>
+<p:sld xmlns:a="http://schemas.openxmlformats.org/drawingml/2006/main" xmlns:r="http://schemas.openxmlformats.org/officeDocument/2006/relationships" xmlns:p="http://schemas.openxmlformats.org/presentationml/2006/main">
+  <p:cSld>
+    <p:spTree>
+      <p:nvGrpSpPr>
+        <p:cNvPr id="1" name=""/>
+        <p:cNvGrpSpPr/>
+        <p:nvPr/>
+      </p:nvGrpSpPr>
+      <p:grpSpPr>
+        <a:xfrm>
+          <a:off x="0" y="0"/>
+          <a:ext cx="0" cy="0"/>
+          <a:chOff x="0" y="0"/>
+          <a:chExt cx="0" cy="0"/>
+        </a:xfrm>
+      </p:grpSpPr>
+      <p:sp>
+        <p:nvSpPr>
+          <p:cNvPr id="4" name="TextBox 3">
+            <a:extLst>
+              <a:ext uri="{FF2B5EF4-FFF2-40B4-BE49-F238E27FC236}">
+                <a16:creationId xmlns:a16="http://schemas.microsoft.com/office/drawing/2014/main" id="{947C18CF-6E6E-45D7-8CEB-4E10F643C918}"/>
+              </a:ext>
+            </a:extLst>
+          </p:cNvPr>
+          <p:cNvSpPr txBox="1"/>
+          <p:nvPr/>
+        </p:nvSpPr>
+        <p:spPr>
+          <a:xfrm>
+            <a:off x="0" y="0"/>
+            <a:ext cx="10093739" cy="369332"/>
+          </a:xfrm>
+          <a:prstGeom prst="rect">
+            <a:avLst/>
+          </a:prstGeom>
+          <a:noFill/>
+        </p:spPr>
+        <p:txBody>
+          <a:bodyPr wrap="square" rtlCol="0">
+            <a:spAutoFit/>
+          </a:bodyPr>
+          <a:lstStyle/>
+          <a:p>
+            <a:r>
+              <a:rPr lang="en-US" dirty="0"/>
+              <a:t>Current Diagram – Future upgrade</a:t>
+            </a:r>
+            <a:endParaRPr lang="en-GB" dirty="0"/>
+          </a:p>
+        </p:txBody>
+      </p:sp>
+      <p:pic>
+        <p:nvPicPr>
+          <p:cNvPr id="6" name="Picture 5">
+            <a:extLst>
+              <a:ext uri="{FF2B5EF4-FFF2-40B4-BE49-F238E27FC236}">
+                <a16:creationId xmlns:a16="http://schemas.microsoft.com/office/drawing/2014/main" id="{D650E9B0-158F-4E87-9FEB-5633833C58A0}"/>
+              </a:ext>
+            </a:extLst>
+          </p:cNvPr>
+          <p:cNvPicPr>
+            <a:picLocks noChangeAspect="1"/>
+          </p:cNvPicPr>
+          <p:nvPr/>
+        </p:nvPicPr>
+        <p:blipFill>
+          <a:blip r:embed="rId2"/>
+          <a:stretch>
+            <a:fillRect/>
+          </a:stretch>
+        </p:blipFill>
+        <p:spPr>
+          <a:xfrm>
+            <a:off x="129444" y="477246"/>
+            <a:ext cx="8917832" cy="3087640"/>
+          </a:xfrm>
+          <a:prstGeom prst="rect">
+            <a:avLst/>
+          </a:prstGeom>
+        </p:spPr>
+      </p:pic>
+      <p:pic>
+        <p:nvPicPr>
+          <p:cNvPr id="8" name="Picture 7">
+            <a:extLst>
+              <a:ext uri="{FF2B5EF4-FFF2-40B4-BE49-F238E27FC236}">
+                <a16:creationId xmlns:a16="http://schemas.microsoft.com/office/drawing/2014/main" id="{660A2431-7C9B-4203-95C8-9B1C9318689A}"/>
+              </a:ext>
+            </a:extLst>
+          </p:cNvPr>
+          <p:cNvPicPr>
+            <a:picLocks noChangeAspect="1"/>
+          </p:cNvPicPr>
+          <p:nvPr/>
+        </p:nvPicPr>
+        <p:blipFill>
+          <a:blip r:embed="rId3"/>
+          <a:stretch>
+            <a:fillRect/>
+          </a:stretch>
+        </p:blipFill>
+        <p:spPr>
+          <a:xfrm>
+            <a:off x="129444" y="3799479"/>
+            <a:ext cx="10058400" cy="2581275"/>
+          </a:xfrm>
+          <a:prstGeom prst="rect">
+            <a:avLst/>
+          </a:prstGeom>
+        </p:spPr>
+      </p:pic>
+      <p:sp>
+        <p:nvSpPr>
+          <p:cNvPr id="9" name="TextBox 8">
+            <a:extLst>
+              <a:ext uri="{FF2B5EF4-FFF2-40B4-BE49-F238E27FC236}">
+                <a16:creationId xmlns:a16="http://schemas.microsoft.com/office/drawing/2014/main" id="{E7B7C8F5-BAA9-441D-B2D5-E5C69AB2C39A}"/>
+              </a:ext>
+            </a:extLst>
+          </p:cNvPr>
+          <p:cNvSpPr txBox="1"/>
+          <p:nvPr/>
+        </p:nvSpPr>
+        <p:spPr>
+          <a:xfrm>
+            <a:off x="10260538" y="1651734"/>
+            <a:ext cx="1649978" cy="369332"/>
+          </a:xfrm>
+          <a:prstGeom prst="rect">
+            <a:avLst/>
+          </a:prstGeom>
+          <a:noFill/>
+        </p:spPr>
+        <p:txBody>
+          <a:bodyPr wrap="square" rtlCol="0">
+            <a:spAutoFit/>
+          </a:bodyPr>
+          <a:lstStyle/>
+          <a:p>
+            <a:r>
+              <a:rPr lang="en-US" dirty="0"/>
+              <a:t>Machine side</a:t>
+            </a:r>
+            <a:endParaRPr lang="en-GB" dirty="0"/>
+          </a:p>
+        </p:txBody>
+      </p:sp>
+      <p:sp>
+        <p:nvSpPr>
+          <p:cNvPr id="10" name="TextBox 9">
+            <a:extLst>
+              <a:ext uri="{FF2B5EF4-FFF2-40B4-BE49-F238E27FC236}">
+                <a16:creationId xmlns:a16="http://schemas.microsoft.com/office/drawing/2014/main" id="{CC440C71-F9A6-48A4-87CF-A807F0E1B021}"/>
+              </a:ext>
+            </a:extLst>
+          </p:cNvPr>
+          <p:cNvSpPr txBox="1"/>
+          <p:nvPr/>
+        </p:nvSpPr>
+        <p:spPr>
+          <a:xfrm>
+            <a:off x="10493919" y="4905451"/>
+            <a:ext cx="1649978" cy="369332"/>
+          </a:xfrm>
+          <a:prstGeom prst="rect">
+            <a:avLst/>
+          </a:prstGeom>
+          <a:noFill/>
+        </p:spPr>
+        <p:txBody>
+          <a:bodyPr wrap="square" rtlCol="0">
+            <a:spAutoFit/>
+          </a:bodyPr>
+          <a:lstStyle/>
+          <a:p>
+            <a:r>
+              <a:rPr lang="en-US" dirty="0"/>
+              <a:t>Admin side</a:t>
+            </a:r>
+            <a:endParaRPr lang="en-GB" dirty="0"/>
+          </a:p>
+        </p:txBody>
+      </p:sp>
+    </p:spTree>
+    <p:extLst>
+      <p:ext uri="{BB962C8B-B14F-4D97-AF65-F5344CB8AC3E}">
+        <p14:creationId xmlns:p14="http://schemas.microsoft.com/office/powerpoint/2010/main" val="927653434"/>
+      </p:ext>
+    </p:extLst>
+  </p:cSld>
+  <p:clrMapOvr>
+    <a:masterClrMapping/>
+  </p:clrMapOvr>
+</p:sld>
+</file>
+
 <file path=ppt/slides/slide2.xml><?xml version="1.0" encoding="utf-8"?>
 <p:sld xmlns:a="http://schemas.openxmlformats.org/drawingml/2006/main" xmlns:r="http://schemas.openxmlformats.org/officeDocument/2006/relationships" xmlns:p="http://schemas.openxmlformats.org/presentationml/2006/main">
   <p:cSld>
